--- a/text.pptx
+++ b/text.pptx
@@ -1,12 +1,12 @@
 
 <file path=ppt/presentation.xml><?xml version="1.0" encoding="utf-8"?>
-<p:presentation xmlns:a="http://schemas.openxmlformats.org/drawingml/2006/main" xmlns:r="http://schemas.openxmlformats.org/officeDocument/2006/relationships" xmlns:p="http://schemas.openxmlformats.org/presentationml/2006/main" saveSubsetFonts="1">
+<p:presentation xmlns:a="http://schemas.openxmlformats.org/drawingml/2006/main" xmlns:r="http://schemas.openxmlformats.org/officeDocument/2006/relationships" xmlns:p="http://schemas.openxmlformats.org/presentationml/2006/main">
   <p:sldMasterIdLst>
     <p:sldMasterId id="2147483648" r:id="rId1"/>
   </p:sldMasterIdLst>
   <p:sldIdLst>
-    <p:sldId id="256" r:id="rId2"/>
-    <p:sldId id="257" r:id="rId3"/>
+    <p:sldId id="256" r:id="rId3"/>
+    <p:sldId id="257" r:id="rId4"/>
   </p:sldIdLst>
   <p:sldSz cx="12192000" cy="6858000"/>
   <p:notesSz cx="6858000" cy="9144000"/>
@@ -105,11 +105,6 @@
       </a:defRPr>
     </a:lvl9pPr>
   </p:defaultTextStyle>
-  <p:extLst>
-    <p:ext uri="{EFAFB233-063F-42B5-8137-9DF3F51BA10A}">
-      <p15:sldGuideLst xmlns:p15="http://schemas.microsoft.com/office/powerpoint/2012/main"/>
-    </p:ext>
-  </p:extLst>
 </p:presentation>
 </file>
 
@@ -132,13 +127,7 @@
       </p:grpSpPr>
       <p:sp>
         <p:nvSpPr>
-          <p:cNvPr id="2" name="标题 1">
-            <a:extLst>
-              <a:ext uri="{FF2B5EF4-FFF2-40B4-BE49-F238E27FC236}">
-                <a16:creationId xmlns:a16="http://schemas.microsoft.com/office/drawing/2014/main" id="{664D6D49-4049-2CEB-4842-22B6545428ED}"/>
-              </a:ext>
-            </a:extLst>
-          </p:cNvPr>
+          <p:cNvPr id="2" name="标题 1"/>
           <p:cNvSpPr>
             <a:spLocks noGrp="1"/>
           </p:cNvSpPr>
@@ -164,18 +153,13 @@
               <a:rPr lang="zh-CN" altLang="en-US"/>
               <a:t>单击此处编辑母版标题样式</a:t>
             </a:r>
-          </a:p>
-        </p:txBody>
-      </p:sp>
-      <p:sp>
-        <p:nvSpPr>
-          <p:cNvPr id="3" name="副标题 2">
-            <a:extLst>
-              <a:ext uri="{FF2B5EF4-FFF2-40B4-BE49-F238E27FC236}">
-                <a16:creationId xmlns:a16="http://schemas.microsoft.com/office/drawing/2014/main" id="{AF1A4044-4322-B8C5-AC75-65D2680BCCBC}"/>
-              </a:ext>
-            </a:extLst>
-          </p:cNvPr>
+            <a:endParaRPr lang="zh-CN" altLang="en-US"/>
+          </a:p>
+        </p:txBody>
+      </p:sp>
+      <p:sp>
+        <p:nvSpPr>
+          <p:cNvPr id="3" name="副标题 2"/>
           <p:cNvSpPr>
             <a:spLocks noGrp="1"/>
           </p:cNvSpPr>
@@ -234,18 +218,13 @@
               <a:rPr lang="zh-CN" altLang="en-US"/>
               <a:t>单击此处编辑母版副标题样式</a:t>
             </a:r>
-          </a:p>
-        </p:txBody>
-      </p:sp>
-      <p:sp>
-        <p:nvSpPr>
-          <p:cNvPr id="4" name="日期占位符 3">
-            <a:extLst>
-              <a:ext uri="{FF2B5EF4-FFF2-40B4-BE49-F238E27FC236}">
-                <a16:creationId xmlns:a16="http://schemas.microsoft.com/office/drawing/2014/main" id="{B9DAB625-D23E-2E72-90ED-574149938CD0}"/>
-              </a:ext>
-            </a:extLst>
-          </p:cNvPr>
+            <a:endParaRPr lang="zh-CN" altLang="en-US"/>
+          </a:p>
+        </p:txBody>
+      </p:sp>
+      <p:sp>
+        <p:nvSpPr>
+          <p:cNvPr id="4" name="日期占位符 3"/>
           <p:cNvSpPr>
             <a:spLocks noGrp="1"/>
           </p:cNvSpPr>
@@ -260,7 +239,6 @@
           <a:p>
             <a:fld id="{91A61FA3-1843-480C-BFAB-9EF8081C590C}" type="datetimeFigureOut">
               <a:rPr lang="zh-CN" altLang="en-US" smtClean="0"/>
-              <a:t>2024/7/10</a:t>
             </a:fld>
             <a:endParaRPr lang="zh-CN" altLang="en-US"/>
           </a:p>
@@ -268,13 +246,7 @@
       </p:sp>
       <p:sp>
         <p:nvSpPr>
-          <p:cNvPr id="5" name="页脚占位符 4">
-            <a:extLst>
-              <a:ext uri="{FF2B5EF4-FFF2-40B4-BE49-F238E27FC236}">
-                <a16:creationId xmlns:a16="http://schemas.microsoft.com/office/drawing/2014/main" id="{3018AB8E-1805-3735-37C9-7E29EBB7EE2B}"/>
-              </a:ext>
-            </a:extLst>
-          </p:cNvPr>
+          <p:cNvPr id="5" name="页脚占位符 4"/>
           <p:cNvSpPr>
             <a:spLocks noGrp="1"/>
           </p:cNvSpPr>
@@ -293,13 +265,7 @@
       </p:sp>
       <p:sp>
         <p:nvSpPr>
-          <p:cNvPr id="6" name="灯片编号占位符 5">
-            <a:extLst>
-              <a:ext uri="{FF2B5EF4-FFF2-40B4-BE49-F238E27FC236}">
-                <a16:creationId xmlns:a16="http://schemas.microsoft.com/office/drawing/2014/main" id="{9760A17F-3C16-9FD5-A09D-8596BA45FF88}"/>
-              </a:ext>
-            </a:extLst>
-          </p:cNvPr>
+          <p:cNvPr id="6" name="灯片编号占位符 5"/>
           <p:cNvSpPr>
             <a:spLocks noGrp="1"/>
           </p:cNvSpPr>
@@ -314,18 +280,12 @@
           <a:p>
             <a:fld id="{806AB19E-EA60-4C95-AAA5-9EB4F3DDE059}" type="slidenum">
               <a:rPr lang="zh-CN" altLang="en-US" smtClean="0"/>
-              <a:t>‹#›</a:t>
             </a:fld>
             <a:endParaRPr lang="zh-CN" altLang="en-US"/>
           </a:p>
         </p:txBody>
       </p:sp>
     </p:spTree>
-    <p:extLst>
-      <p:ext uri="{BB962C8B-B14F-4D97-AF65-F5344CB8AC3E}">
-        <p14:creationId xmlns:p14="http://schemas.microsoft.com/office/powerpoint/2010/main" val="1943681468"/>
-      </p:ext>
-    </p:extLst>
   </p:cSld>
   <p:clrMapOvr>
     <a:masterClrMapping/>
@@ -352,13 +312,7 @@
       </p:grpSpPr>
       <p:sp>
         <p:nvSpPr>
-          <p:cNvPr id="2" name="标题 1">
-            <a:extLst>
-              <a:ext uri="{FF2B5EF4-FFF2-40B4-BE49-F238E27FC236}">
-                <a16:creationId xmlns:a16="http://schemas.microsoft.com/office/drawing/2014/main" id="{5B484E76-3ED9-5A1B-C329-C18439606189}"/>
-              </a:ext>
-            </a:extLst>
-          </p:cNvPr>
+          <p:cNvPr id="2" name="标题 1"/>
           <p:cNvSpPr>
             <a:spLocks noGrp="1"/>
           </p:cNvSpPr>
@@ -375,18 +329,13 @@
               <a:rPr lang="zh-CN" altLang="en-US"/>
               <a:t>单击此处编辑母版标题样式</a:t>
             </a:r>
-          </a:p>
-        </p:txBody>
-      </p:sp>
-      <p:sp>
-        <p:nvSpPr>
-          <p:cNvPr id="3" name="竖排文字占位符 2">
-            <a:extLst>
-              <a:ext uri="{FF2B5EF4-FFF2-40B4-BE49-F238E27FC236}">
-                <a16:creationId xmlns:a16="http://schemas.microsoft.com/office/drawing/2014/main" id="{0486B7E7-6916-9362-7DC2-1AABFDCC9EEC}"/>
-              </a:ext>
-            </a:extLst>
-          </p:cNvPr>
+            <a:endParaRPr lang="zh-CN" altLang="en-US"/>
+          </a:p>
+        </p:txBody>
+      </p:sp>
+      <p:sp>
+        <p:nvSpPr>
+          <p:cNvPr id="3" name="竖排文字占位符 2"/>
           <p:cNvSpPr>
             <a:spLocks noGrp="1"/>
           </p:cNvSpPr>
@@ -404,6 +353,7 @@
               <a:rPr lang="zh-CN" altLang="en-US"/>
               <a:t>单击此处编辑母版文本样式</a:t>
             </a:r>
+            <a:endParaRPr lang="zh-CN" altLang="en-US"/>
           </a:p>
           <a:p>
             <a:pPr lvl="1"/>
@@ -411,6 +361,7 @@
               <a:rPr lang="zh-CN" altLang="en-US"/>
               <a:t>二级</a:t>
             </a:r>
+            <a:endParaRPr lang="zh-CN" altLang="en-US"/>
           </a:p>
           <a:p>
             <a:pPr lvl="2"/>
@@ -418,6 +369,7 @@
               <a:rPr lang="zh-CN" altLang="en-US"/>
               <a:t>三级</a:t>
             </a:r>
+            <a:endParaRPr lang="zh-CN" altLang="en-US"/>
           </a:p>
           <a:p>
             <a:pPr lvl="3"/>
@@ -425,6 +377,7 @@
               <a:rPr lang="zh-CN" altLang="en-US"/>
               <a:t>四级</a:t>
             </a:r>
+            <a:endParaRPr lang="zh-CN" altLang="en-US"/>
           </a:p>
           <a:p>
             <a:pPr lvl="4"/>
@@ -432,18 +385,13 @@
               <a:rPr lang="zh-CN" altLang="en-US"/>
               <a:t>五级</a:t>
             </a:r>
-          </a:p>
-        </p:txBody>
-      </p:sp>
-      <p:sp>
-        <p:nvSpPr>
-          <p:cNvPr id="4" name="日期占位符 3">
-            <a:extLst>
-              <a:ext uri="{FF2B5EF4-FFF2-40B4-BE49-F238E27FC236}">
-                <a16:creationId xmlns:a16="http://schemas.microsoft.com/office/drawing/2014/main" id="{49F16A8C-E94F-E0F8-7E53-D0644F94994A}"/>
-              </a:ext>
-            </a:extLst>
-          </p:cNvPr>
+            <a:endParaRPr lang="zh-CN" altLang="en-US"/>
+          </a:p>
+        </p:txBody>
+      </p:sp>
+      <p:sp>
+        <p:nvSpPr>
+          <p:cNvPr id="4" name="日期占位符 3"/>
           <p:cNvSpPr>
             <a:spLocks noGrp="1"/>
           </p:cNvSpPr>
@@ -458,7 +406,6 @@
           <a:p>
             <a:fld id="{91A61FA3-1843-480C-BFAB-9EF8081C590C}" type="datetimeFigureOut">
               <a:rPr lang="zh-CN" altLang="en-US" smtClean="0"/>
-              <a:t>2024/7/10</a:t>
             </a:fld>
             <a:endParaRPr lang="zh-CN" altLang="en-US"/>
           </a:p>
@@ -466,13 +413,7 @@
       </p:sp>
       <p:sp>
         <p:nvSpPr>
-          <p:cNvPr id="5" name="页脚占位符 4">
-            <a:extLst>
-              <a:ext uri="{FF2B5EF4-FFF2-40B4-BE49-F238E27FC236}">
-                <a16:creationId xmlns:a16="http://schemas.microsoft.com/office/drawing/2014/main" id="{58E4CB0F-38BD-9963-8255-AB3EF4595DD6}"/>
-              </a:ext>
-            </a:extLst>
-          </p:cNvPr>
+          <p:cNvPr id="5" name="页脚占位符 4"/>
           <p:cNvSpPr>
             <a:spLocks noGrp="1"/>
           </p:cNvSpPr>
@@ -491,13 +432,7 @@
       </p:sp>
       <p:sp>
         <p:nvSpPr>
-          <p:cNvPr id="6" name="灯片编号占位符 5">
-            <a:extLst>
-              <a:ext uri="{FF2B5EF4-FFF2-40B4-BE49-F238E27FC236}">
-                <a16:creationId xmlns:a16="http://schemas.microsoft.com/office/drawing/2014/main" id="{B380DC16-7EC7-A467-B300-D74ED38EC58D}"/>
-              </a:ext>
-            </a:extLst>
-          </p:cNvPr>
+          <p:cNvPr id="6" name="灯片编号占位符 5"/>
           <p:cNvSpPr>
             <a:spLocks noGrp="1"/>
           </p:cNvSpPr>
@@ -512,18 +447,12 @@
           <a:p>
             <a:fld id="{806AB19E-EA60-4C95-AAA5-9EB4F3DDE059}" type="slidenum">
               <a:rPr lang="zh-CN" altLang="en-US" smtClean="0"/>
-              <a:t>‹#›</a:t>
             </a:fld>
             <a:endParaRPr lang="zh-CN" altLang="en-US"/>
           </a:p>
         </p:txBody>
       </p:sp>
     </p:spTree>
-    <p:extLst>
-      <p:ext uri="{BB962C8B-B14F-4D97-AF65-F5344CB8AC3E}">
-        <p14:creationId xmlns:p14="http://schemas.microsoft.com/office/powerpoint/2010/main" val="1629901756"/>
-      </p:ext>
-    </p:extLst>
   </p:cSld>
   <p:clrMapOvr>
     <a:masterClrMapping/>
@@ -550,13 +479,7 @@
       </p:grpSpPr>
       <p:sp>
         <p:nvSpPr>
-          <p:cNvPr id="2" name="竖排标题 1">
-            <a:extLst>
-              <a:ext uri="{FF2B5EF4-FFF2-40B4-BE49-F238E27FC236}">
-                <a16:creationId xmlns:a16="http://schemas.microsoft.com/office/drawing/2014/main" id="{C2747F33-08BB-0DB3-76FE-FF8226918F44}"/>
-              </a:ext>
-            </a:extLst>
-          </p:cNvPr>
+          <p:cNvPr id="2" name="竖排标题 1"/>
           <p:cNvSpPr>
             <a:spLocks noGrp="1"/>
           </p:cNvSpPr>
@@ -578,18 +501,13 @@
               <a:rPr lang="zh-CN" altLang="en-US"/>
               <a:t>单击此处编辑母版标题样式</a:t>
             </a:r>
-          </a:p>
-        </p:txBody>
-      </p:sp>
-      <p:sp>
-        <p:nvSpPr>
-          <p:cNvPr id="3" name="竖排文字占位符 2">
-            <a:extLst>
-              <a:ext uri="{FF2B5EF4-FFF2-40B4-BE49-F238E27FC236}">
-                <a16:creationId xmlns:a16="http://schemas.microsoft.com/office/drawing/2014/main" id="{A0C31131-DE68-91CC-0819-BD22D4D793CF}"/>
-              </a:ext>
-            </a:extLst>
-          </p:cNvPr>
+            <a:endParaRPr lang="zh-CN" altLang="en-US"/>
+          </a:p>
+        </p:txBody>
+      </p:sp>
+      <p:sp>
+        <p:nvSpPr>
+          <p:cNvPr id="3" name="竖排文字占位符 2"/>
           <p:cNvSpPr>
             <a:spLocks noGrp="1"/>
           </p:cNvSpPr>
@@ -612,6 +530,7 @@
               <a:rPr lang="zh-CN" altLang="en-US"/>
               <a:t>单击此处编辑母版文本样式</a:t>
             </a:r>
+            <a:endParaRPr lang="zh-CN" altLang="en-US"/>
           </a:p>
           <a:p>
             <a:pPr lvl="1"/>
@@ -619,6 +538,7 @@
               <a:rPr lang="zh-CN" altLang="en-US"/>
               <a:t>二级</a:t>
             </a:r>
+            <a:endParaRPr lang="zh-CN" altLang="en-US"/>
           </a:p>
           <a:p>
             <a:pPr lvl="2"/>
@@ -626,6 +546,7 @@
               <a:rPr lang="zh-CN" altLang="en-US"/>
               <a:t>三级</a:t>
             </a:r>
+            <a:endParaRPr lang="zh-CN" altLang="en-US"/>
           </a:p>
           <a:p>
             <a:pPr lvl="3"/>
@@ -633,6 +554,7 @@
               <a:rPr lang="zh-CN" altLang="en-US"/>
               <a:t>四级</a:t>
             </a:r>
+            <a:endParaRPr lang="zh-CN" altLang="en-US"/>
           </a:p>
           <a:p>
             <a:pPr lvl="4"/>
@@ -640,18 +562,13 @@
               <a:rPr lang="zh-CN" altLang="en-US"/>
               <a:t>五级</a:t>
             </a:r>
-          </a:p>
-        </p:txBody>
-      </p:sp>
-      <p:sp>
-        <p:nvSpPr>
-          <p:cNvPr id="4" name="日期占位符 3">
-            <a:extLst>
-              <a:ext uri="{FF2B5EF4-FFF2-40B4-BE49-F238E27FC236}">
-                <a16:creationId xmlns:a16="http://schemas.microsoft.com/office/drawing/2014/main" id="{E4F9F6D4-E4D5-7C96-19DB-BBE740EDB7CF}"/>
-              </a:ext>
-            </a:extLst>
-          </p:cNvPr>
+            <a:endParaRPr lang="zh-CN" altLang="en-US"/>
+          </a:p>
+        </p:txBody>
+      </p:sp>
+      <p:sp>
+        <p:nvSpPr>
+          <p:cNvPr id="4" name="日期占位符 3"/>
           <p:cNvSpPr>
             <a:spLocks noGrp="1"/>
           </p:cNvSpPr>
@@ -666,7 +583,6 @@
           <a:p>
             <a:fld id="{91A61FA3-1843-480C-BFAB-9EF8081C590C}" type="datetimeFigureOut">
               <a:rPr lang="zh-CN" altLang="en-US" smtClean="0"/>
-              <a:t>2024/7/10</a:t>
             </a:fld>
             <a:endParaRPr lang="zh-CN" altLang="en-US"/>
           </a:p>
@@ -674,13 +590,7 @@
       </p:sp>
       <p:sp>
         <p:nvSpPr>
-          <p:cNvPr id="5" name="页脚占位符 4">
-            <a:extLst>
-              <a:ext uri="{FF2B5EF4-FFF2-40B4-BE49-F238E27FC236}">
-                <a16:creationId xmlns:a16="http://schemas.microsoft.com/office/drawing/2014/main" id="{F63E91FE-445B-2897-F8F3-83C31DEBC00D}"/>
-              </a:ext>
-            </a:extLst>
-          </p:cNvPr>
+          <p:cNvPr id="5" name="页脚占位符 4"/>
           <p:cNvSpPr>
             <a:spLocks noGrp="1"/>
           </p:cNvSpPr>
@@ -699,13 +609,7 @@
       </p:sp>
       <p:sp>
         <p:nvSpPr>
-          <p:cNvPr id="6" name="灯片编号占位符 5">
-            <a:extLst>
-              <a:ext uri="{FF2B5EF4-FFF2-40B4-BE49-F238E27FC236}">
-                <a16:creationId xmlns:a16="http://schemas.microsoft.com/office/drawing/2014/main" id="{424239EB-C1CC-CDC0-BD33-733164632BD0}"/>
-              </a:ext>
-            </a:extLst>
-          </p:cNvPr>
+          <p:cNvPr id="6" name="灯片编号占位符 5"/>
           <p:cNvSpPr>
             <a:spLocks noGrp="1"/>
           </p:cNvSpPr>
@@ -720,18 +624,12 @@
           <a:p>
             <a:fld id="{806AB19E-EA60-4C95-AAA5-9EB4F3DDE059}" type="slidenum">
               <a:rPr lang="zh-CN" altLang="en-US" smtClean="0"/>
-              <a:t>‹#›</a:t>
             </a:fld>
             <a:endParaRPr lang="zh-CN" altLang="en-US"/>
           </a:p>
         </p:txBody>
       </p:sp>
     </p:spTree>
-    <p:extLst>
-      <p:ext uri="{BB962C8B-B14F-4D97-AF65-F5344CB8AC3E}">
-        <p14:creationId xmlns:p14="http://schemas.microsoft.com/office/powerpoint/2010/main" val="2599759157"/>
-      </p:ext>
-    </p:extLst>
   </p:cSld>
   <p:clrMapOvr>
     <a:masterClrMapping/>
@@ -758,13 +656,7 @@
       </p:grpSpPr>
       <p:sp>
         <p:nvSpPr>
-          <p:cNvPr id="2" name="标题 1">
-            <a:extLst>
-              <a:ext uri="{FF2B5EF4-FFF2-40B4-BE49-F238E27FC236}">
-                <a16:creationId xmlns:a16="http://schemas.microsoft.com/office/drawing/2014/main" id="{B4D9A60E-014A-94A9-3AB4-94C8ECF49BCD}"/>
-              </a:ext>
-            </a:extLst>
-          </p:cNvPr>
+          <p:cNvPr id="2" name="标题 1"/>
           <p:cNvSpPr>
             <a:spLocks noGrp="1"/>
           </p:cNvSpPr>
@@ -781,18 +673,13 @@
               <a:rPr lang="zh-CN" altLang="en-US"/>
               <a:t>单击此处编辑母版标题样式</a:t>
             </a:r>
-          </a:p>
-        </p:txBody>
-      </p:sp>
-      <p:sp>
-        <p:nvSpPr>
-          <p:cNvPr id="3" name="内容占位符 2">
-            <a:extLst>
-              <a:ext uri="{FF2B5EF4-FFF2-40B4-BE49-F238E27FC236}">
-                <a16:creationId xmlns:a16="http://schemas.microsoft.com/office/drawing/2014/main" id="{7E0FC4C2-2105-C8A2-C818-0110FB2109C0}"/>
-              </a:ext>
-            </a:extLst>
-          </p:cNvPr>
+            <a:endParaRPr lang="zh-CN" altLang="en-US"/>
+          </a:p>
+        </p:txBody>
+      </p:sp>
+      <p:sp>
+        <p:nvSpPr>
+          <p:cNvPr id="3" name="内容占位符 2"/>
           <p:cNvSpPr>
             <a:spLocks noGrp="1"/>
           </p:cNvSpPr>
@@ -810,6 +697,7 @@
               <a:rPr lang="zh-CN" altLang="en-US"/>
               <a:t>单击此处编辑母版文本样式</a:t>
             </a:r>
+            <a:endParaRPr lang="zh-CN" altLang="en-US"/>
           </a:p>
           <a:p>
             <a:pPr lvl="1"/>
@@ -817,6 +705,7 @@
               <a:rPr lang="zh-CN" altLang="en-US"/>
               <a:t>二级</a:t>
             </a:r>
+            <a:endParaRPr lang="zh-CN" altLang="en-US"/>
           </a:p>
           <a:p>
             <a:pPr lvl="2"/>
@@ -824,6 +713,7 @@
               <a:rPr lang="zh-CN" altLang="en-US"/>
               <a:t>三级</a:t>
             </a:r>
+            <a:endParaRPr lang="zh-CN" altLang="en-US"/>
           </a:p>
           <a:p>
             <a:pPr lvl="3"/>
@@ -831,6 +721,7 @@
               <a:rPr lang="zh-CN" altLang="en-US"/>
               <a:t>四级</a:t>
             </a:r>
+            <a:endParaRPr lang="zh-CN" altLang="en-US"/>
           </a:p>
           <a:p>
             <a:pPr lvl="4"/>
@@ -838,18 +729,13 @@
               <a:rPr lang="zh-CN" altLang="en-US"/>
               <a:t>五级</a:t>
             </a:r>
-          </a:p>
-        </p:txBody>
-      </p:sp>
-      <p:sp>
-        <p:nvSpPr>
-          <p:cNvPr id="4" name="日期占位符 3">
-            <a:extLst>
-              <a:ext uri="{FF2B5EF4-FFF2-40B4-BE49-F238E27FC236}">
-                <a16:creationId xmlns:a16="http://schemas.microsoft.com/office/drawing/2014/main" id="{0559DA6E-A2B9-228A-AE18-7635A366C0C3}"/>
-              </a:ext>
-            </a:extLst>
-          </p:cNvPr>
+            <a:endParaRPr lang="zh-CN" altLang="en-US"/>
+          </a:p>
+        </p:txBody>
+      </p:sp>
+      <p:sp>
+        <p:nvSpPr>
+          <p:cNvPr id="4" name="日期占位符 3"/>
           <p:cNvSpPr>
             <a:spLocks noGrp="1"/>
           </p:cNvSpPr>
@@ -864,7 +750,6 @@
           <a:p>
             <a:fld id="{91A61FA3-1843-480C-BFAB-9EF8081C590C}" type="datetimeFigureOut">
               <a:rPr lang="zh-CN" altLang="en-US" smtClean="0"/>
-              <a:t>2024/7/10</a:t>
             </a:fld>
             <a:endParaRPr lang="zh-CN" altLang="en-US"/>
           </a:p>
@@ -872,13 +757,7 @@
       </p:sp>
       <p:sp>
         <p:nvSpPr>
-          <p:cNvPr id="5" name="页脚占位符 4">
-            <a:extLst>
-              <a:ext uri="{FF2B5EF4-FFF2-40B4-BE49-F238E27FC236}">
-                <a16:creationId xmlns:a16="http://schemas.microsoft.com/office/drawing/2014/main" id="{DBE78B37-827C-A1A7-8065-BF04A4B6CD65}"/>
-              </a:ext>
-            </a:extLst>
-          </p:cNvPr>
+          <p:cNvPr id="5" name="页脚占位符 4"/>
           <p:cNvSpPr>
             <a:spLocks noGrp="1"/>
           </p:cNvSpPr>
@@ -897,13 +776,7 @@
       </p:sp>
       <p:sp>
         <p:nvSpPr>
-          <p:cNvPr id="6" name="灯片编号占位符 5">
-            <a:extLst>
-              <a:ext uri="{FF2B5EF4-FFF2-40B4-BE49-F238E27FC236}">
-                <a16:creationId xmlns:a16="http://schemas.microsoft.com/office/drawing/2014/main" id="{788BDFB6-25FA-E89A-EFE3-DC72ACE992F3}"/>
-              </a:ext>
-            </a:extLst>
-          </p:cNvPr>
+          <p:cNvPr id="6" name="灯片编号占位符 5"/>
           <p:cNvSpPr>
             <a:spLocks noGrp="1"/>
           </p:cNvSpPr>
@@ -918,18 +791,12 @@
           <a:p>
             <a:fld id="{806AB19E-EA60-4C95-AAA5-9EB4F3DDE059}" type="slidenum">
               <a:rPr lang="zh-CN" altLang="en-US" smtClean="0"/>
-              <a:t>‹#›</a:t>
             </a:fld>
             <a:endParaRPr lang="zh-CN" altLang="en-US"/>
           </a:p>
         </p:txBody>
       </p:sp>
     </p:spTree>
-    <p:extLst>
-      <p:ext uri="{BB962C8B-B14F-4D97-AF65-F5344CB8AC3E}">
-        <p14:creationId xmlns:p14="http://schemas.microsoft.com/office/powerpoint/2010/main" val="1186108277"/>
-      </p:ext>
-    </p:extLst>
   </p:cSld>
   <p:clrMapOvr>
     <a:masterClrMapping/>
@@ -956,13 +823,7 @@
       </p:grpSpPr>
       <p:sp>
         <p:nvSpPr>
-          <p:cNvPr id="2" name="标题 1">
-            <a:extLst>
-              <a:ext uri="{FF2B5EF4-FFF2-40B4-BE49-F238E27FC236}">
-                <a16:creationId xmlns:a16="http://schemas.microsoft.com/office/drawing/2014/main" id="{C74059D9-64E8-FD0A-D354-81F2D7CBD80D}"/>
-              </a:ext>
-            </a:extLst>
-          </p:cNvPr>
+          <p:cNvPr id="2" name="标题 1"/>
           <p:cNvSpPr>
             <a:spLocks noGrp="1"/>
           </p:cNvSpPr>
@@ -988,18 +849,13 @@
               <a:rPr lang="zh-CN" altLang="en-US"/>
               <a:t>单击此处编辑母版标题样式</a:t>
             </a:r>
-          </a:p>
-        </p:txBody>
-      </p:sp>
-      <p:sp>
-        <p:nvSpPr>
-          <p:cNvPr id="3" name="文本占位符 2">
-            <a:extLst>
-              <a:ext uri="{FF2B5EF4-FFF2-40B4-BE49-F238E27FC236}">
-                <a16:creationId xmlns:a16="http://schemas.microsoft.com/office/drawing/2014/main" id="{0AC1C15E-308F-AE0A-47F3-A68F1FF77594}"/>
-              </a:ext>
-            </a:extLst>
-          </p:cNvPr>
+            <a:endParaRPr lang="zh-CN" altLang="en-US"/>
+          </a:p>
+        </p:txBody>
+      </p:sp>
+      <p:sp>
+        <p:nvSpPr>
+          <p:cNvPr id="3" name="文本占位符 2"/>
           <p:cNvSpPr>
             <a:spLocks noGrp="1"/>
           </p:cNvSpPr>
@@ -1113,18 +969,13 @@
               <a:rPr lang="zh-CN" altLang="en-US"/>
               <a:t>单击此处编辑母版文本样式</a:t>
             </a:r>
-          </a:p>
-        </p:txBody>
-      </p:sp>
-      <p:sp>
-        <p:nvSpPr>
-          <p:cNvPr id="4" name="日期占位符 3">
-            <a:extLst>
-              <a:ext uri="{FF2B5EF4-FFF2-40B4-BE49-F238E27FC236}">
-                <a16:creationId xmlns:a16="http://schemas.microsoft.com/office/drawing/2014/main" id="{70A3947C-E23A-16A8-7447-EEFF8E28B23F}"/>
-              </a:ext>
-            </a:extLst>
-          </p:cNvPr>
+            <a:endParaRPr lang="zh-CN" altLang="en-US"/>
+          </a:p>
+        </p:txBody>
+      </p:sp>
+      <p:sp>
+        <p:nvSpPr>
+          <p:cNvPr id="4" name="日期占位符 3"/>
           <p:cNvSpPr>
             <a:spLocks noGrp="1"/>
           </p:cNvSpPr>
@@ -1139,7 +990,6 @@
           <a:p>
             <a:fld id="{91A61FA3-1843-480C-BFAB-9EF8081C590C}" type="datetimeFigureOut">
               <a:rPr lang="zh-CN" altLang="en-US" smtClean="0"/>
-              <a:t>2024/7/10</a:t>
             </a:fld>
             <a:endParaRPr lang="zh-CN" altLang="en-US"/>
           </a:p>
@@ -1147,13 +997,7 @@
       </p:sp>
       <p:sp>
         <p:nvSpPr>
-          <p:cNvPr id="5" name="页脚占位符 4">
-            <a:extLst>
-              <a:ext uri="{FF2B5EF4-FFF2-40B4-BE49-F238E27FC236}">
-                <a16:creationId xmlns:a16="http://schemas.microsoft.com/office/drawing/2014/main" id="{96081CDC-5A1B-D58E-B423-E394AE25202A}"/>
-              </a:ext>
-            </a:extLst>
-          </p:cNvPr>
+          <p:cNvPr id="5" name="页脚占位符 4"/>
           <p:cNvSpPr>
             <a:spLocks noGrp="1"/>
           </p:cNvSpPr>
@@ -1172,13 +1016,7 @@
       </p:sp>
       <p:sp>
         <p:nvSpPr>
-          <p:cNvPr id="6" name="灯片编号占位符 5">
-            <a:extLst>
-              <a:ext uri="{FF2B5EF4-FFF2-40B4-BE49-F238E27FC236}">
-                <a16:creationId xmlns:a16="http://schemas.microsoft.com/office/drawing/2014/main" id="{96779BEF-E0AF-A873-3E97-0163F6491CA5}"/>
-              </a:ext>
-            </a:extLst>
-          </p:cNvPr>
+          <p:cNvPr id="6" name="灯片编号占位符 5"/>
           <p:cNvSpPr>
             <a:spLocks noGrp="1"/>
           </p:cNvSpPr>
@@ -1193,18 +1031,12 @@
           <a:p>
             <a:fld id="{806AB19E-EA60-4C95-AAA5-9EB4F3DDE059}" type="slidenum">
               <a:rPr lang="zh-CN" altLang="en-US" smtClean="0"/>
-              <a:t>‹#›</a:t>
             </a:fld>
             <a:endParaRPr lang="zh-CN" altLang="en-US"/>
           </a:p>
         </p:txBody>
       </p:sp>
     </p:spTree>
-    <p:extLst>
-      <p:ext uri="{BB962C8B-B14F-4D97-AF65-F5344CB8AC3E}">
-        <p14:creationId xmlns:p14="http://schemas.microsoft.com/office/powerpoint/2010/main" val="3881273045"/>
-      </p:ext>
-    </p:extLst>
   </p:cSld>
   <p:clrMapOvr>
     <a:masterClrMapping/>
@@ -1231,13 +1063,7 @@
       </p:grpSpPr>
       <p:sp>
         <p:nvSpPr>
-          <p:cNvPr id="2" name="标题 1">
-            <a:extLst>
-              <a:ext uri="{FF2B5EF4-FFF2-40B4-BE49-F238E27FC236}">
-                <a16:creationId xmlns:a16="http://schemas.microsoft.com/office/drawing/2014/main" id="{C8DA892C-3662-F33C-216E-E0B33FAC6F42}"/>
-              </a:ext>
-            </a:extLst>
-          </p:cNvPr>
+          <p:cNvPr id="2" name="标题 1"/>
           <p:cNvSpPr>
             <a:spLocks noGrp="1"/>
           </p:cNvSpPr>
@@ -1254,18 +1080,13 @@
               <a:rPr lang="zh-CN" altLang="en-US"/>
               <a:t>单击此处编辑母版标题样式</a:t>
             </a:r>
-          </a:p>
-        </p:txBody>
-      </p:sp>
-      <p:sp>
-        <p:nvSpPr>
-          <p:cNvPr id="3" name="内容占位符 2">
-            <a:extLst>
-              <a:ext uri="{FF2B5EF4-FFF2-40B4-BE49-F238E27FC236}">
-                <a16:creationId xmlns:a16="http://schemas.microsoft.com/office/drawing/2014/main" id="{58C0D63A-2B95-0DC8-668F-095D1E240CE6}"/>
-              </a:ext>
-            </a:extLst>
-          </p:cNvPr>
+            <a:endParaRPr lang="zh-CN" altLang="en-US"/>
+          </a:p>
+        </p:txBody>
+      </p:sp>
+      <p:sp>
+        <p:nvSpPr>
+          <p:cNvPr id="3" name="内容占位符 2"/>
           <p:cNvSpPr>
             <a:spLocks noGrp="1"/>
           </p:cNvSpPr>
@@ -1288,6 +1109,7 @@
               <a:rPr lang="zh-CN" altLang="en-US"/>
               <a:t>单击此处编辑母版文本样式</a:t>
             </a:r>
+            <a:endParaRPr lang="zh-CN" altLang="en-US"/>
           </a:p>
           <a:p>
             <a:pPr lvl="1"/>
@@ -1295,6 +1117,7 @@
               <a:rPr lang="zh-CN" altLang="en-US"/>
               <a:t>二级</a:t>
             </a:r>
+            <a:endParaRPr lang="zh-CN" altLang="en-US"/>
           </a:p>
           <a:p>
             <a:pPr lvl="2"/>
@@ -1302,6 +1125,7 @@
               <a:rPr lang="zh-CN" altLang="en-US"/>
               <a:t>三级</a:t>
             </a:r>
+            <a:endParaRPr lang="zh-CN" altLang="en-US"/>
           </a:p>
           <a:p>
             <a:pPr lvl="3"/>
@@ -1309,6 +1133,7 @@
               <a:rPr lang="zh-CN" altLang="en-US"/>
               <a:t>四级</a:t>
             </a:r>
+            <a:endParaRPr lang="zh-CN" altLang="en-US"/>
           </a:p>
           <a:p>
             <a:pPr lvl="4"/>
@@ -1316,18 +1141,13 @@
               <a:rPr lang="zh-CN" altLang="en-US"/>
               <a:t>五级</a:t>
             </a:r>
-          </a:p>
-        </p:txBody>
-      </p:sp>
-      <p:sp>
-        <p:nvSpPr>
-          <p:cNvPr id="4" name="内容占位符 3">
-            <a:extLst>
-              <a:ext uri="{FF2B5EF4-FFF2-40B4-BE49-F238E27FC236}">
-                <a16:creationId xmlns:a16="http://schemas.microsoft.com/office/drawing/2014/main" id="{3D9991C2-C990-C985-E114-6D3C9F6E18A7}"/>
-              </a:ext>
-            </a:extLst>
-          </p:cNvPr>
+            <a:endParaRPr lang="zh-CN" altLang="en-US"/>
+          </a:p>
+        </p:txBody>
+      </p:sp>
+      <p:sp>
+        <p:nvSpPr>
+          <p:cNvPr id="4" name="内容占位符 3"/>
           <p:cNvSpPr>
             <a:spLocks noGrp="1"/>
           </p:cNvSpPr>
@@ -1350,6 +1170,7 @@
               <a:rPr lang="zh-CN" altLang="en-US"/>
               <a:t>单击此处编辑母版文本样式</a:t>
             </a:r>
+            <a:endParaRPr lang="zh-CN" altLang="en-US"/>
           </a:p>
           <a:p>
             <a:pPr lvl="1"/>
@@ -1357,6 +1178,7 @@
               <a:rPr lang="zh-CN" altLang="en-US"/>
               <a:t>二级</a:t>
             </a:r>
+            <a:endParaRPr lang="zh-CN" altLang="en-US"/>
           </a:p>
           <a:p>
             <a:pPr lvl="2"/>
@@ -1364,6 +1186,7 @@
               <a:rPr lang="zh-CN" altLang="en-US"/>
               <a:t>三级</a:t>
             </a:r>
+            <a:endParaRPr lang="zh-CN" altLang="en-US"/>
           </a:p>
           <a:p>
             <a:pPr lvl="3"/>
@@ -1371,6 +1194,7 @@
               <a:rPr lang="zh-CN" altLang="en-US"/>
               <a:t>四级</a:t>
             </a:r>
+            <a:endParaRPr lang="zh-CN" altLang="en-US"/>
           </a:p>
           <a:p>
             <a:pPr lvl="4"/>
@@ -1378,18 +1202,13 @@
               <a:rPr lang="zh-CN" altLang="en-US"/>
               <a:t>五级</a:t>
             </a:r>
-          </a:p>
-        </p:txBody>
-      </p:sp>
-      <p:sp>
-        <p:nvSpPr>
-          <p:cNvPr id="5" name="日期占位符 4">
-            <a:extLst>
-              <a:ext uri="{FF2B5EF4-FFF2-40B4-BE49-F238E27FC236}">
-                <a16:creationId xmlns:a16="http://schemas.microsoft.com/office/drawing/2014/main" id="{98543C0F-25A7-9339-F3AD-80A4EAA999EB}"/>
-              </a:ext>
-            </a:extLst>
-          </p:cNvPr>
+            <a:endParaRPr lang="zh-CN" altLang="en-US"/>
+          </a:p>
+        </p:txBody>
+      </p:sp>
+      <p:sp>
+        <p:nvSpPr>
+          <p:cNvPr id="5" name="日期占位符 4"/>
           <p:cNvSpPr>
             <a:spLocks noGrp="1"/>
           </p:cNvSpPr>
@@ -1404,7 +1223,6 @@
           <a:p>
             <a:fld id="{91A61FA3-1843-480C-BFAB-9EF8081C590C}" type="datetimeFigureOut">
               <a:rPr lang="zh-CN" altLang="en-US" smtClean="0"/>
-              <a:t>2024/7/10</a:t>
             </a:fld>
             <a:endParaRPr lang="zh-CN" altLang="en-US"/>
           </a:p>
@@ -1412,13 +1230,7 @@
       </p:sp>
       <p:sp>
         <p:nvSpPr>
-          <p:cNvPr id="6" name="页脚占位符 5">
-            <a:extLst>
-              <a:ext uri="{FF2B5EF4-FFF2-40B4-BE49-F238E27FC236}">
-                <a16:creationId xmlns:a16="http://schemas.microsoft.com/office/drawing/2014/main" id="{09AEFD78-4E31-1865-22E6-ACA0D24667F8}"/>
-              </a:ext>
-            </a:extLst>
-          </p:cNvPr>
+          <p:cNvPr id="6" name="页脚占位符 5"/>
           <p:cNvSpPr>
             <a:spLocks noGrp="1"/>
           </p:cNvSpPr>
@@ -1437,13 +1249,7 @@
       </p:sp>
       <p:sp>
         <p:nvSpPr>
-          <p:cNvPr id="7" name="灯片编号占位符 6">
-            <a:extLst>
-              <a:ext uri="{FF2B5EF4-FFF2-40B4-BE49-F238E27FC236}">
-                <a16:creationId xmlns:a16="http://schemas.microsoft.com/office/drawing/2014/main" id="{15D6A853-07EE-C209-14E3-4C1345485DC6}"/>
-              </a:ext>
-            </a:extLst>
-          </p:cNvPr>
+          <p:cNvPr id="7" name="灯片编号占位符 6"/>
           <p:cNvSpPr>
             <a:spLocks noGrp="1"/>
           </p:cNvSpPr>
@@ -1458,18 +1264,12 @@
           <a:p>
             <a:fld id="{806AB19E-EA60-4C95-AAA5-9EB4F3DDE059}" type="slidenum">
               <a:rPr lang="zh-CN" altLang="en-US" smtClean="0"/>
-              <a:t>‹#›</a:t>
             </a:fld>
             <a:endParaRPr lang="zh-CN" altLang="en-US"/>
           </a:p>
         </p:txBody>
       </p:sp>
     </p:spTree>
-    <p:extLst>
-      <p:ext uri="{BB962C8B-B14F-4D97-AF65-F5344CB8AC3E}">
-        <p14:creationId xmlns:p14="http://schemas.microsoft.com/office/powerpoint/2010/main" val="3816001786"/>
-      </p:ext>
-    </p:extLst>
   </p:cSld>
   <p:clrMapOvr>
     <a:masterClrMapping/>
@@ -1496,13 +1296,7 @@
       </p:grpSpPr>
       <p:sp>
         <p:nvSpPr>
-          <p:cNvPr id="2" name="标题 1">
-            <a:extLst>
-              <a:ext uri="{FF2B5EF4-FFF2-40B4-BE49-F238E27FC236}">
-                <a16:creationId xmlns:a16="http://schemas.microsoft.com/office/drawing/2014/main" id="{F69B96E5-752E-4F5B-DC63-05582221C792}"/>
-              </a:ext>
-            </a:extLst>
-          </p:cNvPr>
+          <p:cNvPr id="2" name="标题 1"/>
           <p:cNvSpPr>
             <a:spLocks noGrp="1"/>
           </p:cNvSpPr>
@@ -1524,18 +1318,13 @@
               <a:rPr lang="zh-CN" altLang="en-US"/>
               <a:t>单击此处编辑母版标题样式</a:t>
             </a:r>
-          </a:p>
-        </p:txBody>
-      </p:sp>
-      <p:sp>
-        <p:nvSpPr>
-          <p:cNvPr id="3" name="文本占位符 2">
-            <a:extLst>
-              <a:ext uri="{FF2B5EF4-FFF2-40B4-BE49-F238E27FC236}">
-                <a16:creationId xmlns:a16="http://schemas.microsoft.com/office/drawing/2014/main" id="{37C9F563-C865-F76F-BBE6-9775E882EF96}"/>
-              </a:ext>
-            </a:extLst>
-          </p:cNvPr>
+            <a:endParaRPr lang="zh-CN" altLang="en-US"/>
+          </a:p>
+        </p:txBody>
+      </p:sp>
+      <p:sp>
+        <p:nvSpPr>
+          <p:cNvPr id="3" name="文本占位符 2"/>
           <p:cNvSpPr>
             <a:spLocks noGrp="1"/>
           </p:cNvSpPr>
@@ -1595,18 +1384,13 @@
               <a:rPr lang="zh-CN" altLang="en-US"/>
               <a:t>单击此处编辑母版文本样式</a:t>
             </a:r>
-          </a:p>
-        </p:txBody>
-      </p:sp>
-      <p:sp>
-        <p:nvSpPr>
-          <p:cNvPr id="4" name="内容占位符 3">
-            <a:extLst>
-              <a:ext uri="{FF2B5EF4-FFF2-40B4-BE49-F238E27FC236}">
-                <a16:creationId xmlns:a16="http://schemas.microsoft.com/office/drawing/2014/main" id="{59125290-C3DD-F408-FA1E-6AC84414526A}"/>
-              </a:ext>
-            </a:extLst>
-          </p:cNvPr>
+            <a:endParaRPr lang="zh-CN" altLang="en-US"/>
+          </a:p>
+        </p:txBody>
+      </p:sp>
+      <p:sp>
+        <p:nvSpPr>
+          <p:cNvPr id="4" name="内容占位符 3"/>
           <p:cNvSpPr>
             <a:spLocks noGrp="1"/>
           </p:cNvSpPr>
@@ -1629,6 +1413,7 @@
               <a:rPr lang="zh-CN" altLang="en-US"/>
               <a:t>单击此处编辑母版文本样式</a:t>
             </a:r>
+            <a:endParaRPr lang="zh-CN" altLang="en-US"/>
           </a:p>
           <a:p>
             <a:pPr lvl="1"/>
@@ -1636,6 +1421,7 @@
               <a:rPr lang="zh-CN" altLang="en-US"/>
               <a:t>二级</a:t>
             </a:r>
+            <a:endParaRPr lang="zh-CN" altLang="en-US"/>
           </a:p>
           <a:p>
             <a:pPr lvl="2"/>
@@ -1643,6 +1429,7 @@
               <a:rPr lang="zh-CN" altLang="en-US"/>
               <a:t>三级</a:t>
             </a:r>
+            <a:endParaRPr lang="zh-CN" altLang="en-US"/>
           </a:p>
           <a:p>
             <a:pPr lvl="3"/>
@@ -1650,6 +1437,7 @@
               <a:rPr lang="zh-CN" altLang="en-US"/>
               <a:t>四级</a:t>
             </a:r>
+            <a:endParaRPr lang="zh-CN" altLang="en-US"/>
           </a:p>
           <a:p>
             <a:pPr lvl="4"/>
@@ -1657,18 +1445,13 @@
               <a:rPr lang="zh-CN" altLang="en-US"/>
               <a:t>五级</a:t>
             </a:r>
-          </a:p>
-        </p:txBody>
-      </p:sp>
-      <p:sp>
-        <p:nvSpPr>
-          <p:cNvPr id="5" name="文本占位符 4">
-            <a:extLst>
-              <a:ext uri="{FF2B5EF4-FFF2-40B4-BE49-F238E27FC236}">
-                <a16:creationId xmlns:a16="http://schemas.microsoft.com/office/drawing/2014/main" id="{CBD9EB20-4824-7AC0-0CEA-6EFBADAB159F}"/>
-              </a:ext>
-            </a:extLst>
-          </p:cNvPr>
+            <a:endParaRPr lang="zh-CN" altLang="en-US"/>
+          </a:p>
+        </p:txBody>
+      </p:sp>
+      <p:sp>
+        <p:nvSpPr>
+          <p:cNvPr id="5" name="文本占位符 4"/>
           <p:cNvSpPr>
             <a:spLocks noGrp="1"/>
           </p:cNvSpPr>
@@ -1728,18 +1511,13 @@
               <a:rPr lang="zh-CN" altLang="en-US"/>
               <a:t>单击此处编辑母版文本样式</a:t>
             </a:r>
-          </a:p>
-        </p:txBody>
-      </p:sp>
-      <p:sp>
-        <p:nvSpPr>
-          <p:cNvPr id="6" name="内容占位符 5">
-            <a:extLst>
-              <a:ext uri="{FF2B5EF4-FFF2-40B4-BE49-F238E27FC236}">
-                <a16:creationId xmlns:a16="http://schemas.microsoft.com/office/drawing/2014/main" id="{64C9BAF6-2A0A-FD1F-C43A-55CED67AC15E}"/>
-              </a:ext>
-            </a:extLst>
-          </p:cNvPr>
+            <a:endParaRPr lang="zh-CN" altLang="en-US"/>
+          </a:p>
+        </p:txBody>
+      </p:sp>
+      <p:sp>
+        <p:nvSpPr>
+          <p:cNvPr id="6" name="内容占位符 5"/>
           <p:cNvSpPr>
             <a:spLocks noGrp="1"/>
           </p:cNvSpPr>
@@ -1762,6 +1540,7 @@
               <a:rPr lang="zh-CN" altLang="en-US"/>
               <a:t>单击此处编辑母版文本样式</a:t>
             </a:r>
+            <a:endParaRPr lang="zh-CN" altLang="en-US"/>
           </a:p>
           <a:p>
             <a:pPr lvl="1"/>
@@ -1769,6 +1548,7 @@
               <a:rPr lang="zh-CN" altLang="en-US"/>
               <a:t>二级</a:t>
             </a:r>
+            <a:endParaRPr lang="zh-CN" altLang="en-US"/>
           </a:p>
           <a:p>
             <a:pPr lvl="2"/>
@@ -1776,6 +1556,7 @@
               <a:rPr lang="zh-CN" altLang="en-US"/>
               <a:t>三级</a:t>
             </a:r>
+            <a:endParaRPr lang="zh-CN" altLang="en-US"/>
           </a:p>
           <a:p>
             <a:pPr lvl="3"/>
@@ -1783,6 +1564,7 @@
               <a:rPr lang="zh-CN" altLang="en-US"/>
               <a:t>四级</a:t>
             </a:r>
+            <a:endParaRPr lang="zh-CN" altLang="en-US"/>
           </a:p>
           <a:p>
             <a:pPr lvl="4"/>
@@ -1790,18 +1572,13 @@
               <a:rPr lang="zh-CN" altLang="en-US"/>
               <a:t>五级</a:t>
             </a:r>
-          </a:p>
-        </p:txBody>
-      </p:sp>
-      <p:sp>
-        <p:nvSpPr>
-          <p:cNvPr id="7" name="日期占位符 6">
-            <a:extLst>
-              <a:ext uri="{FF2B5EF4-FFF2-40B4-BE49-F238E27FC236}">
-                <a16:creationId xmlns:a16="http://schemas.microsoft.com/office/drawing/2014/main" id="{A20591F0-16B4-2D49-74C6-EF56B52F75D5}"/>
-              </a:ext>
-            </a:extLst>
-          </p:cNvPr>
+            <a:endParaRPr lang="zh-CN" altLang="en-US"/>
+          </a:p>
+        </p:txBody>
+      </p:sp>
+      <p:sp>
+        <p:nvSpPr>
+          <p:cNvPr id="7" name="日期占位符 6"/>
           <p:cNvSpPr>
             <a:spLocks noGrp="1"/>
           </p:cNvSpPr>
@@ -1816,7 +1593,6 @@
           <a:p>
             <a:fld id="{91A61FA3-1843-480C-BFAB-9EF8081C590C}" type="datetimeFigureOut">
               <a:rPr lang="zh-CN" altLang="en-US" smtClean="0"/>
-              <a:t>2024/7/10</a:t>
             </a:fld>
             <a:endParaRPr lang="zh-CN" altLang="en-US"/>
           </a:p>
@@ -1824,13 +1600,7 @@
       </p:sp>
       <p:sp>
         <p:nvSpPr>
-          <p:cNvPr id="8" name="页脚占位符 7">
-            <a:extLst>
-              <a:ext uri="{FF2B5EF4-FFF2-40B4-BE49-F238E27FC236}">
-                <a16:creationId xmlns:a16="http://schemas.microsoft.com/office/drawing/2014/main" id="{38DB1C0F-DFDC-2AF3-3272-3A4CF198F3BF}"/>
-              </a:ext>
-            </a:extLst>
-          </p:cNvPr>
+          <p:cNvPr id="8" name="页脚占位符 7"/>
           <p:cNvSpPr>
             <a:spLocks noGrp="1"/>
           </p:cNvSpPr>
@@ -1849,13 +1619,7 @@
       </p:sp>
       <p:sp>
         <p:nvSpPr>
-          <p:cNvPr id="9" name="灯片编号占位符 8">
-            <a:extLst>
-              <a:ext uri="{FF2B5EF4-FFF2-40B4-BE49-F238E27FC236}">
-                <a16:creationId xmlns:a16="http://schemas.microsoft.com/office/drawing/2014/main" id="{888DDF90-84E1-85DD-2D85-F317879A49CB}"/>
-              </a:ext>
-            </a:extLst>
-          </p:cNvPr>
+          <p:cNvPr id="9" name="灯片编号占位符 8"/>
           <p:cNvSpPr>
             <a:spLocks noGrp="1"/>
           </p:cNvSpPr>
@@ -1870,18 +1634,12 @@
           <a:p>
             <a:fld id="{806AB19E-EA60-4C95-AAA5-9EB4F3DDE059}" type="slidenum">
               <a:rPr lang="zh-CN" altLang="en-US" smtClean="0"/>
-              <a:t>‹#›</a:t>
             </a:fld>
             <a:endParaRPr lang="zh-CN" altLang="en-US"/>
           </a:p>
         </p:txBody>
       </p:sp>
     </p:spTree>
-    <p:extLst>
-      <p:ext uri="{BB962C8B-B14F-4D97-AF65-F5344CB8AC3E}">
-        <p14:creationId xmlns:p14="http://schemas.microsoft.com/office/powerpoint/2010/main" val="3880453816"/>
-      </p:ext>
-    </p:extLst>
   </p:cSld>
   <p:clrMapOvr>
     <a:masterClrMapping/>
@@ -1908,13 +1666,7 @@
       </p:grpSpPr>
       <p:sp>
         <p:nvSpPr>
-          <p:cNvPr id="2" name="标题 1">
-            <a:extLst>
-              <a:ext uri="{FF2B5EF4-FFF2-40B4-BE49-F238E27FC236}">
-                <a16:creationId xmlns:a16="http://schemas.microsoft.com/office/drawing/2014/main" id="{8091A9B4-939E-D93B-F84D-3F1EB760C8FE}"/>
-              </a:ext>
-            </a:extLst>
-          </p:cNvPr>
+          <p:cNvPr id="2" name="标题 1"/>
           <p:cNvSpPr>
             <a:spLocks noGrp="1"/>
           </p:cNvSpPr>
@@ -1931,18 +1683,13 @@
               <a:rPr lang="zh-CN" altLang="en-US"/>
               <a:t>单击此处编辑母版标题样式</a:t>
             </a:r>
-          </a:p>
-        </p:txBody>
-      </p:sp>
-      <p:sp>
-        <p:nvSpPr>
-          <p:cNvPr id="3" name="日期占位符 2">
-            <a:extLst>
-              <a:ext uri="{FF2B5EF4-FFF2-40B4-BE49-F238E27FC236}">
-                <a16:creationId xmlns:a16="http://schemas.microsoft.com/office/drawing/2014/main" id="{D4FC78B6-3F47-AFE1-7884-0A9226A97D4F}"/>
-              </a:ext>
-            </a:extLst>
-          </p:cNvPr>
+            <a:endParaRPr lang="zh-CN" altLang="en-US"/>
+          </a:p>
+        </p:txBody>
+      </p:sp>
+      <p:sp>
+        <p:nvSpPr>
+          <p:cNvPr id="3" name="日期占位符 2"/>
           <p:cNvSpPr>
             <a:spLocks noGrp="1"/>
           </p:cNvSpPr>
@@ -1957,7 +1704,6 @@
           <a:p>
             <a:fld id="{91A61FA3-1843-480C-BFAB-9EF8081C590C}" type="datetimeFigureOut">
               <a:rPr lang="zh-CN" altLang="en-US" smtClean="0"/>
-              <a:t>2024/7/10</a:t>
             </a:fld>
             <a:endParaRPr lang="zh-CN" altLang="en-US"/>
           </a:p>
@@ -1965,13 +1711,7 @@
       </p:sp>
       <p:sp>
         <p:nvSpPr>
-          <p:cNvPr id="4" name="页脚占位符 3">
-            <a:extLst>
-              <a:ext uri="{FF2B5EF4-FFF2-40B4-BE49-F238E27FC236}">
-                <a16:creationId xmlns:a16="http://schemas.microsoft.com/office/drawing/2014/main" id="{96A656EB-E824-15F3-C541-8EC2330BC000}"/>
-              </a:ext>
-            </a:extLst>
-          </p:cNvPr>
+          <p:cNvPr id="4" name="页脚占位符 3"/>
           <p:cNvSpPr>
             <a:spLocks noGrp="1"/>
           </p:cNvSpPr>
@@ -1990,13 +1730,7 @@
       </p:sp>
       <p:sp>
         <p:nvSpPr>
-          <p:cNvPr id="5" name="灯片编号占位符 4">
-            <a:extLst>
-              <a:ext uri="{FF2B5EF4-FFF2-40B4-BE49-F238E27FC236}">
-                <a16:creationId xmlns:a16="http://schemas.microsoft.com/office/drawing/2014/main" id="{96C26A74-17AA-FF8A-8C6B-2A5AEC3F6C1C}"/>
-              </a:ext>
-            </a:extLst>
-          </p:cNvPr>
+          <p:cNvPr id="5" name="灯片编号占位符 4"/>
           <p:cNvSpPr>
             <a:spLocks noGrp="1"/>
           </p:cNvSpPr>
@@ -2011,18 +1745,12 @@
           <a:p>
             <a:fld id="{806AB19E-EA60-4C95-AAA5-9EB4F3DDE059}" type="slidenum">
               <a:rPr lang="zh-CN" altLang="en-US" smtClean="0"/>
-              <a:t>‹#›</a:t>
             </a:fld>
             <a:endParaRPr lang="zh-CN" altLang="en-US"/>
           </a:p>
         </p:txBody>
       </p:sp>
     </p:spTree>
-    <p:extLst>
-      <p:ext uri="{BB962C8B-B14F-4D97-AF65-F5344CB8AC3E}">
-        <p14:creationId xmlns:p14="http://schemas.microsoft.com/office/powerpoint/2010/main" val="901373106"/>
-      </p:ext>
-    </p:extLst>
   </p:cSld>
   <p:clrMapOvr>
     <a:masterClrMapping/>
@@ -2049,13 +1777,7 @@
       </p:grpSpPr>
       <p:sp>
         <p:nvSpPr>
-          <p:cNvPr id="2" name="日期占位符 1">
-            <a:extLst>
-              <a:ext uri="{FF2B5EF4-FFF2-40B4-BE49-F238E27FC236}">
-                <a16:creationId xmlns:a16="http://schemas.microsoft.com/office/drawing/2014/main" id="{89D2C00E-C0B1-3A69-4321-C3EAB47FB9F2}"/>
-              </a:ext>
-            </a:extLst>
-          </p:cNvPr>
+          <p:cNvPr id="2" name="日期占位符 1"/>
           <p:cNvSpPr>
             <a:spLocks noGrp="1"/>
           </p:cNvSpPr>
@@ -2070,7 +1792,6 @@
           <a:p>
             <a:fld id="{91A61FA3-1843-480C-BFAB-9EF8081C590C}" type="datetimeFigureOut">
               <a:rPr lang="zh-CN" altLang="en-US" smtClean="0"/>
-              <a:t>2024/7/10</a:t>
             </a:fld>
             <a:endParaRPr lang="zh-CN" altLang="en-US"/>
           </a:p>
@@ -2078,13 +1799,7 @@
       </p:sp>
       <p:sp>
         <p:nvSpPr>
-          <p:cNvPr id="3" name="页脚占位符 2">
-            <a:extLst>
-              <a:ext uri="{FF2B5EF4-FFF2-40B4-BE49-F238E27FC236}">
-                <a16:creationId xmlns:a16="http://schemas.microsoft.com/office/drawing/2014/main" id="{AF6920EB-1C16-51AB-181A-8415987F8E49}"/>
-              </a:ext>
-            </a:extLst>
-          </p:cNvPr>
+          <p:cNvPr id="3" name="页脚占位符 2"/>
           <p:cNvSpPr>
             <a:spLocks noGrp="1"/>
           </p:cNvSpPr>
@@ -2103,13 +1818,7 @@
       </p:sp>
       <p:sp>
         <p:nvSpPr>
-          <p:cNvPr id="4" name="灯片编号占位符 3">
-            <a:extLst>
-              <a:ext uri="{FF2B5EF4-FFF2-40B4-BE49-F238E27FC236}">
-                <a16:creationId xmlns:a16="http://schemas.microsoft.com/office/drawing/2014/main" id="{6E56BE6E-D81F-5B40-81E5-AA5258111B7F}"/>
-              </a:ext>
-            </a:extLst>
-          </p:cNvPr>
+          <p:cNvPr id="4" name="灯片编号占位符 3"/>
           <p:cNvSpPr>
             <a:spLocks noGrp="1"/>
           </p:cNvSpPr>
@@ -2124,18 +1833,12 @@
           <a:p>
             <a:fld id="{806AB19E-EA60-4C95-AAA5-9EB4F3DDE059}" type="slidenum">
               <a:rPr lang="zh-CN" altLang="en-US" smtClean="0"/>
-              <a:t>‹#›</a:t>
             </a:fld>
             <a:endParaRPr lang="zh-CN" altLang="en-US"/>
           </a:p>
         </p:txBody>
       </p:sp>
     </p:spTree>
-    <p:extLst>
-      <p:ext uri="{BB962C8B-B14F-4D97-AF65-F5344CB8AC3E}">
-        <p14:creationId xmlns:p14="http://schemas.microsoft.com/office/powerpoint/2010/main" val="3035199018"/>
-      </p:ext>
-    </p:extLst>
   </p:cSld>
   <p:clrMapOvr>
     <a:masterClrMapping/>
@@ -2162,13 +1865,7 @@
       </p:grpSpPr>
       <p:sp>
         <p:nvSpPr>
-          <p:cNvPr id="2" name="标题 1">
-            <a:extLst>
-              <a:ext uri="{FF2B5EF4-FFF2-40B4-BE49-F238E27FC236}">
-                <a16:creationId xmlns:a16="http://schemas.microsoft.com/office/drawing/2014/main" id="{6B423C08-1482-A5CE-5ED2-0EFCBEEDFB8F}"/>
-              </a:ext>
-            </a:extLst>
-          </p:cNvPr>
+          <p:cNvPr id="2" name="标题 1"/>
           <p:cNvSpPr>
             <a:spLocks noGrp="1"/>
           </p:cNvSpPr>
@@ -2194,18 +1891,13 @@
               <a:rPr lang="zh-CN" altLang="en-US"/>
               <a:t>单击此处编辑母版标题样式</a:t>
             </a:r>
-          </a:p>
-        </p:txBody>
-      </p:sp>
-      <p:sp>
-        <p:nvSpPr>
-          <p:cNvPr id="3" name="内容占位符 2">
-            <a:extLst>
-              <a:ext uri="{FF2B5EF4-FFF2-40B4-BE49-F238E27FC236}">
-                <a16:creationId xmlns:a16="http://schemas.microsoft.com/office/drawing/2014/main" id="{C1CD42F5-92EA-24BD-058F-188AEF000CBD}"/>
-              </a:ext>
-            </a:extLst>
-          </p:cNvPr>
+            <a:endParaRPr lang="zh-CN" altLang="en-US"/>
+          </a:p>
+        </p:txBody>
+      </p:sp>
+      <p:sp>
+        <p:nvSpPr>
+          <p:cNvPr id="3" name="内容占位符 2"/>
           <p:cNvSpPr>
             <a:spLocks noGrp="1"/>
           </p:cNvSpPr>
@@ -2256,6 +1948,7 @@
               <a:rPr lang="zh-CN" altLang="en-US"/>
               <a:t>单击此处编辑母版文本样式</a:t>
             </a:r>
+            <a:endParaRPr lang="zh-CN" altLang="en-US"/>
           </a:p>
           <a:p>
             <a:pPr lvl="1"/>
@@ -2263,6 +1956,7 @@
               <a:rPr lang="zh-CN" altLang="en-US"/>
               <a:t>二级</a:t>
             </a:r>
+            <a:endParaRPr lang="zh-CN" altLang="en-US"/>
           </a:p>
           <a:p>
             <a:pPr lvl="2"/>
@@ -2270,6 +1964,7 @@
               <a:rPr lang="zh-CN" altLang="en-US"/>
               <a:t>三级</a:t>
             </a:r>
+            <a:endParaRPr lang="zh-CN" altLang="en-US"/>
           </a:p>
           <a:p>
             <a:pPr lvl="3"/>
@@ -2277,6 +1972,7 @@
               <a:rPr lang="zh-CN" altLang="en-US"/>
               <a:t>四级</a:t>
             </a:r>
+            <a:endParaRPr lang="zh-CN" altLang="en-US"/>
           </a:p>
           <a:p>
             <a:pPr lvl="4"/>
@@ -2284,18 +1980,13 @@
               <a:rPr lang="zh-CN" altLang="en-US"/>
               <a:t>五级</a:t>
             </a:r>
-          </a:p>
-        </p:txBody>
-      </p:sp>
-      <p:sp>
-        <p:nvSpPr>
-          <p:cNvPr id="4" name="文本占位符 3">
-            <a:extLst>
-              <a:ext uri="{FF2B5EF4-FFF2-40B4-BE49-F238E27FC236}">
-                <a16:creationId xmlns:a16="http://schemas.microsoft.com/office/drawing/2014/main" id="{B2C47D70-681A-1F51-F473-2299C97BEE90}"/>
-              </a:ext>
-            </a:extLst>
-          </p:cNvPr>
+            <a:endParaRPr lang="zh-CN" altLang="en-US"/>
+          </a:p>
+        </p:txBody>
+      </p:sp>
+      <p:sp>
+        <p:nvSpPr>
+          <p:cNvPr id="4" name="文本占位符 3"/>
           <p:cNvSpPr>
             <a:spLocks noGrp="1"/>
           </p:cNvSpPr>
@@ -2355,18 +2046,13 @@
               <a:rPr lang="zh-CN" altLang="en-US"/>
               <a:t>单击此处编辑母版文本样式</a:t>
             </a:r>
-          </a:p>
-        </p:txBody>
-      </p:sp>
-      <p:sp>
-        <p:nvSpPr>
-          <p:cNvPr id="5" name="日期占位符 4">
-            <a:extLst>
-              <a:ext uri="{FF2B5EF4-FFF2-40B4-BE49-F238E27FC236}">
-                <a16:creationId xmlns:a16="http://schemas.microsoft.com/office/drawing/2014/main" id="{964B3BB9-3504-3F05-17A1-CF977217FBC9}"/>
-              </a:ext>
-            </a:extLst>
-          </p:cNvPr>
+            <a:endParaRPr lang="zh-CN" altLang="en-US"/>
+          </a:p>
+        </p:txBody>
+      </p:sp>
+      <p:sp>
+        <p:nvSpPr>
+          <p:cNvPr id="5" name="日期占位符 4"/>
           <p:cNvSpPr>
             <a:spLocks noGrp="1"/>
           </p:cNvSpPr>
@@ -2381,7 +2067,6 @@
           <a:p>
             <a:fld id="{91A61FA3-1843-480C-BFAB-9EF8081C590C}" type="datetimeFigureOut">
               <a:rPr lang="zh-CN" altLang="en-US" smtClean="0"/>
-              <a:t>2024/7/10</a:t>
             </a:fld>
             <a:endParaRPr lang="zh-CN" altLang="en-US"/>
           </a:p>
@@ -2389,13 +2074,7 @@
       </p:sp>
       <p:sp>
         <p:nvSpPr>
-          <p:cNvPr id="6" name="页脚占位符 5">
-            <a:extLst>
-              <a:ext uri="{FF2B5EF4-FFF2-40B4-BE49-F238E27FC236}">
-                <a16:creationId xmlns:a16="http://schemas.microsoft.com/office/drawing/2014/main" id="{C8C93786-D9F7-F2D4-29B4-14BB1F9794C8}"/>
-              </a:ext>
-            </a:extLst>
-          </p:cNvPr>
+          <p:cNvPr id="6" name="页脚占位符 5"/>
           <p:cNvSpPr>
             <a:spLocks noGrp="1"/>
           </p:cNvSpPr>
@@ -2414,13 +2093,7 @@
       </p:sp>
       <p:sp>
         <p:nvSpPr>
-          <p:cNvPr id="7" name="灯片编号占位符 6">
-            <a:extLst>
-              <a:ext uri="{FF2B5EF4-FFF2-40B4-BE49-F238E27FC236}">
-                <a16:creationId xmlns:a16="http://schemas.microsoft.com/office/drawing/2014/main" id="{150C0894-4500-255B-19CF-345D5A5A5DE2}"/>
-              </a:ext>
-            </a:extLst>
-          </p:cNvPr>
+          <p:cNvPr id="7" name="灯片编号占位符 6"/>
           <p:cNvSpPr>
             <a:spLocks noGrp="1"/>
           </p:cNvSpPr>
@@ -2435,18 +2108,12 @@
           <a:p>
             <a:fld id="{806AB19E-EA60-4C95-AAA5-9EB4F3DDE059}" type="slidenum">
               <a:rPr lang="zh-CN" altLang="en-US" smtClean="0"/>
-              <a:t>‹#›</a:t>
             </a:fld>
             <a:endParaRPr lang="zh-CN" altLang="en-US"/>
           </a:p>
         </p:txBody>
       </p:sp>
     </p:spTree>
-    <p:extLst>
-      <p:ext uri="{BB962C8B-B14F-4D97-AF65-F5344CB8AC3E}">
-        <p14:creationId xmlns:p14="http://schemas.microsoft.com/office/powerpoint/2010/main" val="3484444905"/>
-      </p:ext>
-    </p:extLst>
   </p:cSld>
   <p:clrMapOvr>
     <a:masterClrMapping/>
@@ -2473,13 +2140,7 @@
       </p:grpSpPr>
       <p:sp>
         <p:nvSpPr>
-          <p:cNvPr id="2" name="标题 1">
-            <a:extLst>
-              <a:ext uri="{FF2B5EF4-FFF2-40B4-BE49-F238E27FC236}">
-                <a16:creationId xmlns:a16="http://schemas.microsoft.com/office/drawing/2014/main" id="{762CEF70-F903-0ED9-C552-0C1A48AEE4F1}"/>
-              </a:ext>
-            </a:extLst>
-          </p:cNvPr>
+          <p:cNvPr id="2" name="标题 1"/>
           <p:cNvSpPr>
             <a:spLocks noGrp="1"/>
           </p:cNvSpPr>
@@ -2505,18 +2166,13 @@
               <a:rPr lang="zh-CN" altLang="en-US"/>
               <a:t>单击此处编辑母版标题样式</a:t>
             </a:r>
-          </a:p>
-        </p:txBody>
-      </p:sp>
-      <p:sp>
-        <p:nvSpPr>
-          <p:cNvPr id="3" name="图片占位符 2">
-            <a:extLst>
-              <a:ext uri="{FF2B5EF4-FFF2-40B4-BE49-F238E27FC236}">
-                <a16:creationId xmlns:a16="http://schemas.microsoft.com/office/drawing/2014/main" id="{EC548192-4D0F-DBFD-7F5F-FAE90B2ACB3A}"/>
-              </a:ext>
-            </a:extLst>
-          </p:cNvPr>
+            <a:endParaRPr lang="zh-CN" altLang="en-US"/>
+          </a:p>
+        </p:txBody>
+      </p:sp>
+      <p:sp>
+        <p:nvSpPr>
+          <p:cNvPr id="3" name="图片占位符 2"/>
           <p:cNvSpPr>
             <a:spLocks noGrp="1"/>
           </p:cNvSpPr>
@@ -2577,13 +2233,7 @@
       </p:sp>
       <p:sp>
         <p:nvSpPr>
-          <p:cNvPr id="4" name="文本占位符 3">
-            <a:extLst>
-              <a:ext uri="{FF2B5EF4-FFF2-40B4-BE49-F238E27FC236}">
-                <a16:creationId xmlns:a16="http://schemas.microsoft.com/office/drawing/2014/main" id="{ED4AC787-663F-EDC4-3E11-47651CEDD412}"/>
-              </a:ext>
-            </a:extLst>
-          </p:cNvPr>
+          <p:cNvPr id="4" name="文本占位符 3"/>
           <p:cNvSpPr>
             <a:spLocks noGrp="1"/>
           </p:cNvSpPr>
@@ -2643,18 +2293,13 @@
               <a:rPr lang="zh-CN" altLang="en-US"/>
               <a:t>单击此处编辑母版文本样式</a:t>
             </a:r>
-          </a:p>
-        </p:txBody>
-      </p:sp>
-      <p:sp>
-        <p:nvSpPr>
-          <p:cNvPr id="5" name="日期占位符 4">
-            <a:extLst>
-              <a:ext uri="{FF2B5EF4-FFF2-40B4-BE49-F238E27FC236}">
-                <a16:creationId xmlns:a16="http://schemas.microsoft.com/office/drawing/2014/main" id="{DACCEDD5-17DC-292D-059D-4B8653FD267A}"/>
-              </a:ext>
-            </a:extLst>
-          </p:cNvPr>
+            <a:endParaRPr lang="zh-CN" altLang="en-US"/>
+          </a:p>
+        </p:txBody>
+      </p:sp>
+      <p:sp>
+        <p:nvSpPr>
+          <p:cNvPr id="5" name="日期占位符 4"/>
           <p:cNvSpPr>
             <a:spLocks noGrp="1"/>
           </p:cNvSpPr>
@@ -2669,7 +2314,6 @@
           <a:p>
             <a:fld id="{91A61FA3-1843-480C-BFAB-9EF8081C590C}" type="datetimeFigureOut">
               <a:rPr lang="zh-CN" altLang="en-US" smtClean="0"/>
-              <a:t>2024/7/10</a:t>
             </a:fld>
             <a:endParaRPr lang="zh-CN" altLang="en-US"/>
           </a:p>
@@ -2677,13 +2321,7 @@
       </p:sp>
       <p:sp>
         <p:nvSpPr>
-          <p:cNvPr id="6" name="页脚占位符 5">
-            <a:extLst>
-              <a:ext uri="{FF2B5EF4-FFF2-40B4-BE49-F238E27FC236}">
-                <a16:creationId xmlns:a16="http://schemas.microsoft.com/office/drawing/2014/main" id="{A927718B-24F3-227E-6770-F80B1F8D2C0E}"/>
-              </a:ext>
-            </a:extLst>
-          </p:cNvPr>
+          <p:cNvPr id="6" name="页脚占位符 5"/>
           <p:cNvSpPr>
             <a:spLocks noGrp="1"/>
           </p:cNvSpPr>
@@ -2702,13 +2340,7 @@
       </p:sp>
       <p:sp>
         <p:nvSpPr>
-          <p:cNvPr id="7" name="灯片编号占位符 6">
-            <a:extLst>
-              <a:ext uri="{FF2B5EF4-FFF2-40B4-BE49-F238E27FC236}">
-                <a16:creationId xmlns:a16="http://schemas.microsoft.com/office/drawing/2014/main" id="{D98EDD4D-E005-6E9E-6F09-A305A134F911}"/>
-              </a:ext>
-            </a:extLst>
-          </p:cNvPr>
+          <p:cNvPr id="7" name="灯片编号占位符 6"/>
           <p:cNvSpPr>
             <a:spLocks noGrp="1"/>
           </p:cNvSpPr>
@@ -2723,18 +2355,12 @@
           <a:p>
             <a:fld id="{806AB19E-EA60-4C95-AAA5-9EB4F3DDE059}" type="slidenum">
               <a:rPr lang="zh-CN" altLang="en-US" smtClean="0"/>
-              <a:t>‹#›</a:t>
             </a:fld>
             <a:endParaRPr lang="zh-CN" altLang="en-US"/>
           </a:p>
         </p:txBody>
       </p:sp>
     </p:spTree>
-    <p:extLst>
-      <p:ext uri="{BB962C8B-B14F-4D97-AF65-F5344CB8AC3E}">
-        <p14:creationId xmlns:p14="http://schemas.microsoft.com/office/powerpoint/2010/main" val="2869202591"/>
-      </p:ext>
-    </p:extLst>
   </p:cSld>
   <p:clrMapOvr>
     <a:masterClrMapping/>
@@ -2766,13 +2392,7 @@
       </p:grpSpPr>
       <p:sp>
         <p:nvSpPr>
-          <p:cNvPr id="2" name="标题占位符 1">
-            <a:extLst>
-              <a:ext uri="{FF2B5EF4-FFF2-40B4-BE49-F238E27FC236}">
-                <a16:creationId xmlns:a16="http://schemas.microsoft.com/office/drawing/2014/main" id="{9A088A43-06DD-B39A-2860-C84CD63AB173}"/>
-              </a:ext>
-            </a:extLst>
-          </p:cNvPr>
+          <p:cNvPr id="2" name="标题占位符 1"/>
           <p:cNvSpPr>
             <a:spLocks noGrp="1"/>
           </p:cNvSpPr>
@@ -2799,18 +2419,13 @@
               <a:rPr lang="zh-CN" altLang="en-US"/>
               <a:t>单击此处编辑母版标题样式</a:t>
             </a:r>
-          </a:p>
-        </p:txBody>
-      </p:sp>
-      <p:sp>
-        <p:nvSpPr>
-          <p:cNvPr id="3" name="文本占位符 2">
-            <a:extLst>
-              <a:ext uri="{FF2B5EF4-FFF2-40B4-BE49-F238E27FC236}">
-                <a16:creationId xmlns:a16="http://schemas.microsoft.com/office/drawing/2014/main" id="{6F9F9534-2E01-A02B-A10B-988D2E3BF52B}"/>
-              </a:ext>
-            </a:extLst>
-          </p:cNvPr>
+            <a:endParaRPr lang="zh-CN" altLang="en-US"/>
+          </a:p>
+        </p:txBody>
+      </p:sp>
+      <p:sp>
+        <p:nvSpPr>
+          <p:cNvPr id="3" name="文本占位符 2"/>
           <p:cNvSpPr>
             <a:spLocks noGrp="1"/>
           </p:cNvSpPr>
@@ -2838,6 +2453,7 @@
               <a:rPr lang="zh-CN" altLang="en-US"/>
               <a:t>单击此处编辑母版文本样式</a:t>
             </a:r>
+            <a:endParaRPr lang="zh-CN" altLang="en-US"/>
           </a:p>
           <a:p>
             <a:pPr lvl="1"/>
@@ -2845,6 +2461,7 @@
               <a:rPr lang="zh-CN" altLang="en-US"/>
               <a:t>二级</a:t>
             </a:r>
+            <a:endParaRPr lang="zh-CN" altLang="en-US"/>
           </a:p>
           <a:p>
             <a:pPr lvl="2"/>
@@ -2852,6 +2469,7 @@
               <a:rPr lang="zh-CN" altLang="en-US"/>
               <a:t>三级</a:t>
             </a:r>
+            <a:endParaRPr lang="zh-CN" altLang="en-US"/>
           </a:p>
           <a:p>
             <a:pPr lvl="3"/>
@@ -2859,6 +2477,7 @@
               <a:rPr lang="zh-CN" altLang="en-US"/>
               <a:t>四级</a:t>
             </a:r>
+            <a:endParaRPr lang="zh-CN" altLang="en-US"/>
           </a:p>
           <a:p>
             <a:pPr lvl="4"/>
@@ -2866,18 +2485,13 @@
               <a:rPr lang="zh-CN" altLang="en-US"/>
               <a:t>五级</a:t>
             </a:r>
-          </a:p>
-        </p:txBody>
-      </p:sp>
-      <p:sp>
-        <p:nvSpPr>
-          <p:cNvPr id="4" name="日期占位符 3">
-            <a:extLst>
-              <a:ext uri="{FF2B5EF4-FFF2-40B4-BE49-F238E27FC236}">
-                <a16:creationId xmlns:a16="http://schemas.microsoft.com/office/drawing/2014/main" id="{7CB4F3D3-9968-30D9-E197-A2E01D755F19}"/>
-              </a:ext>
-            </a:extLst>
-          </p:cNvPr>
+            <a:endParaRPr lang="zh-CN" altLang="en-US"/>
+          </a:p>
+        </p:txBody>
+      </p:sp>
+      <p:sp>
+        <p:nvSpPr>
+          <p:cNvPr id="4" name="日期占位符 3"/>
           <p:cNvSpPr>
             <a:spLocks noGrp="1"/>
           </p:cNvSpPr>
@@ -2910,7 +2524,6 @@
           <a:p>
             <a:fld id="{91A61FA3-1843-480C-BFAB-9EF8081C590C}" type="datetimeFigureOut">
               <a:rPr lang="zh-CN" altLang="en-US" smtClean="0"/>
-              <a:t>2024/7/10</a:t>
             </a:fld>
             <a:endParaRPr lang="zh-CN" altLang="en-US"/>
           </a:p>
@@ -2918,13 +2531,7 @@
       </p:sp>
       <p:sp>
         <p:nvSpPr>
-          <p:cNvPr id="5" name="页脚占位符 4">
-            <a:extLst>
-              <a:ext uri="{FF2B5EF4-FFF2-40B4-BE49-F238E27FC236}">
-                <a16:creationId xmlns:a16="http://schemas.microsoft.com/office/drawing/2014/main" id="{E7C42117-88C3-3261-A09F-FDFB58EFC948}"/>
-              </a:ext>
-            </a:extLst>
-          </p:cNvPr>
+          <p:cNvPr id="5" name="页脚占位符 4"/>
           <p:cNvSpPr>
             <a:spLocks noGrp="1"/>
           </p:cNvSpPr>
@@ -2961,13 +2568,7 @@
       </p:sp>
       <p:sp>
         <p:nvSpPr>
-          <p:cNvPr id="6" name="灯片编号占位符 5">
-            <a:extLst>
-              <a:ext uri="{FF2B5EF4-FFF2-40B4-BE49-F238E27FC236}">
-                <a16:creationId xmlns:a16="http://schemas.microsoft.com/office/drawing/2014/main" id="{D1AEC5F4-17BD-EFFC-42F3-5CFB5A12E976}"/>
-              </a:ext>
-            </a:extLst>
-          </p:cNvPr>
+          <p:cNvPr id="6" name="灯片编号占位符 5"/>
           <p:cNvSpPr>
             <a:spLocks noGrp="1"/>
           </p:cNvSpPr>
@@ -3000,18 +2601,12 @@
           <a:p>
             <a:fld id="{806AB19E-EA60-4C95-AAA5-9EB4F3DDE059}" type="slidenum">
               <a:rPr lang="zh-CN" altLang="en-US" smtClean="0"/>
-              <a:t>‹#›</a:t>
             </a:fld>
             <a:endParaRPr lang="zh-CN" altLang="en-US"/>
           </a:p>
         </p:txBody>
       </p:sp>
     </p:spTree>
-    <p:extLst>
-      <p:ext uri="{BB962C8B-B14F-4D97-AF65-F5344CB8AC3E}">
-        <p14:creationId xmlns:p14="http://schemas.microsoft.com/office/powerpoint/2010/main" val="454281708"/>
-      </p:ext>
-    </p:extLst>
   </p:cSld>
   <p:clrMap bg1="lt1" tx1="dk1" bg2="lt2" tx2="dk2" accent1="accent1" accent2="accent2" accent3="accent3" accent4="accent4" accent5="accent5" accent6="accent6" hlink="hlink" folHlink="folHlink"/>
   <p:sldLayoutIdLst>
@@ -3329,20 +2924,14 @@
       </p:grpSpPr>
       <p:sp>
         <p:nvSpPr>
-          <p:cNvPr id="6" name="文本框 5">
-            <a:extLst>
-              <a:ext uri="{FF2B5EF4-FFF2-40B4-BE49-F238E27FC236}">
-                <a16:creationId xmlns:a16="http://schemas.microsoft.com/office/drawing/2014/main" id="{989831DE-9927-D5AF-7F07-D8D371053081}"/>
-              </a:ext>
-            </a:extLst>
-          </p:cNvPr>
+          <p:cNvPr id="6" name="文本框 5"/>
           <p:cNvSpPr txBox="1"/>
           <p:nvPr/>
         </p:nvSpPr>
         <p:spPr>
           <a:xfrm>
             <a:off x="2199736" y="3075057"/>
-            <a:ext cx="9598324" cy="707886"/>
+            <a:ext cx="9598324" cy="706755"/>
           </a:xfrm>
           <a:prstGeom prst="rect">
             <a:avLst/>
@@ -3360,17 +2949,16 @@
                 <a:latin typeface="仿宋" panose="02010609060101010101" pitchFamily="49" charset="-122"/>
                 <a:ea typeface="仿宋" panose="02010609060101010101" pitchFamily="49" charset="-122"/>
               </a:rPr>
-              <a:t>杭州市余杭区爱善公益服务中心</a:t>
-            </a:r>
+              <a:t>江汀社区晴美社会工作服务中心</a:t>
+            </a:r>
+            <a:endParaRPr lang="zh-CN" altLang="en-US" sz="4000" b="1" dirty="0">
+              <a:latin typeface="仿宋" panose="02010609060101010101" pitchFamily="49" charset="-122"/>
+              <a:ea typeface="仿宋" panose="02010609060101010101" pitchFamily="49" charset="-122"/>
+            </a:endParaRPr>
           </a:p>
         </p:txBody>
       </p:sp>
     </p:spTree>
-    <p:extLst>
-      <p:ext uri="{BB962C8B-B14F-4D97-AF65-F5344CB8AC3E}">
-        <p14:creationId xmlns:p14="http://schemas.microsoft.com/office/powerpoint/2010/main" val="3410490763"/>
-      </p:ext>
-    </p:extLst>
   </p:cSld>
   <p:clrMapOvr>
     <a:masterClrMapping/>
@@ -3397,13 +2985,7 @@
       </p:grpSpPr>
       <p:sp>
         <p:nvSpPr>
-          <p:cNvPr id="6" name="文本框 5">
-            <a:extLst>
-              <a:ext uri="{FF2B5EF4-FFF2-40B4-BE49-F238E27FC236}">
-                <a16:creationId xmlns:a16="http://schemas.microsoft.com/office/drawing/2014/main" id="{989831DE-9927-D5AF-7F07-D8D371053081}"/>
-              </a:ext>
-            </a:extLst>
-          </p:cNvPr>
+          <p:cNvPr id="6" name="文本框 5"/>
           <p:cNvSpPr txBox="1"/>
           <p:nvPr/>
         </p:nvSpPr>
@@ -3442,6 +3024,10 @@
               </a:rPr>
               <a:t>……</a:t>
             </a:r>
+            <a:endParaRPr lang="en-US" altLang="zh-CN" sz="5400" b="1" dirty="0">
+              <a:latin typeface="仿宋" panose="02010609060101010101" pitchFamily="49" charset="-122"/>
+              <a:ea typeface="仿宋" panose="02010609060101010101" pitchFamily="49" charset="-122"/>
+            </a:endParaRPr>
           </a:p>
           <a:p>
             <a:pPr algn="ctr">
@@ -3456,15 +3042,14 @@
               </a:rPr>
               <a:t>谢谢关注！</a:t>
             </a:r>
+            <a:endParaRPr lang="zh-CN" altLang="en-US" sz="5400" b="1" dirty="0">
+              <a:latin typeface="仿宋" panose="02010609060101010101" pitchFamily="49" charset="-122"/>
+              <a:ea typeface="仿宋" panose="02010609060101010101" pitchFamily="49" charset="-122"/>
+            </a:endParaRPr>
           </a:p>
         </p:txBody>
       </p:sp>
     </p:spTree>
-    <p:extLst>
-      <p:ext uri="{BB962C8B-B14F-4D97-AF65-F5344CB8AC3E}">
-        <p14:creationId xmlns:p14="http://schemas.microsoft.com/office/powerpoint/2010/main" val="2563602872"/>
-      </p:ext>
-    </p:extLst>
   </p:cSld>
   <p:clrMapOvr>
     <a:masterClrMapping/>
@@ -3515,7 +3100,7 @@
     </a:clrScheme>
     <a:fontScheme name="Office">
       <a:majorFont>
-        <a:latin typeface="等线 Light" panose="020F0302020204030204"/>
+        <a:latin typeface="等线 Light"/>
         <a:ea typeface=""/>
         <a:cs typeface=""/>
         <a:font script="Jpan" typeface="游ゴシック Light"/>
@@ -3548,26 +3133,9 @@
         <a:font script="Viet" typeface="Times New Roman"/>
         <a:font script="Uigh" typeface="Microsoft Uighur"/>
         <a:font script="Geor" typeface="Sylfaen"/>
-        <a:font script="Armn" typeface="Arial"/>
-        <a:font script="Bugi" typeface="Leelawadee UI"/>
-        <a:font script="Bopo" typeface="Microsoft JhengHei"/>
-        <a:font script="Java" typeface="Javanese Text"/>
-        <a:font script="Lisu" typeface="Segoe UI"/>
-        <a:font script="Mymr" typeface="Myanmar Text"/>
-        <a:font script="Nkoo" typeface="Ebrima"/>
-        <a:font script="Olck" typeface="Nirmala UI"/>
-        <a:font script="Osma" typeface="Ebrima"/>
-        <a:font script="Phag" typeface="Phagspa"/>
-        <a:font script="Syrn" typeface="Estrangelo Edessa"/>
-        <a:font script="Syrj" typeface="Estrangelo Edessa"/>
-        <a:font script="Syre" typeface="Estrangelo Edessa"/>
-        <a:font script="Sora" typeface="Nirmala UI"/>
-        <a:font script="Tale" typeface="Microsoft Tai Le"/>
-        <a:font script="Talu" typeface="Microsoft New Tai Lue"/>
-        <a:font script="Tfng" typeface="Ebrima"/>
       </a:majorFont>
       <a:minorFont>
-        <a:latin typeface="等线" panose="020F0502020204030204"/>
+        <a:latin typeface="等线"/>
         <a:ea typeface=""/>
         <a:cs typeface=""/>
         <a:font script="Jpan" typeface="游ゴシック"/>
@@ -3600,23 +3168,6 @@
         <a:font script="Viet" typeface="Arial"/>
         <a:font script="Uigh" typeface="Microsoft Uighur"/>
         <a:font script="Geor" typeface="Sylfaen"/>
-        <a:font script="Armn" typeface="Arial"/>
-        <a:font script="Bugi" typeface="Leelawadee UI"/>
-        <a:font script="Bopo" typeface="Microsoft JhengHei"/>
-        <a:font script="Java" typeface="Javanese Text"/>
-        <a:font script="Lisu" typeface="Segoe UI"/>
-        <a:font script="Mymr" typeface="Myanmar Text"/>
-        <a:font script="Nkoo" typeface="Ebrima"/>
-        <a:font script="Olck" typeface="Nirmala UI"/>
-        <a:font script="Osma" typeface="Ebrima"/>
-        <a:font script="Phag" typeface="Phagspa"/>
-        <a:font script="Syrn" typeface="Estrangelo Edessa"/>
-        <a:font script="Syrj" typeface="Estrangelo Edessa"/>
-        <a:font script="Syre" typeface="Estrangelo Edessa"/>
-        <a:font script="Sora" typeface="Nirmala UI"/>
-        <a:font script="Tale" typeface="Microsoft Tai Le"/>
-        <a:font script="Talu" typeface="Microsoft New Tai Lue"/>
-        <a:font script="Tfng" typeface="Ebrima"/>
       </a:minorFont>
     </a:fontScheme>
     <a:fmtScheme name="Office">
@@ -3757,8 +3308,6 @@
       </a:bgFillStyleLst>
     </a:fmtScheme>
   </a:themeElements>
-  <a:objectDefaults/>
-  <a:extraClrSchemeLst/>
   <a:extLst>
     <a:ext uri="{05A4C25C-085E-4340-85A3-A5531E510DB2}">
       <thm15:themeFamily xmlns:thm15="http://schemas.microsoft.com/office/thememl/2012/main" name="Office Theme" id="{62F939B6-93AF-4DB8-9C6B-D6C7DFDC589F}" vid="{4A3C46E8-61CC-4603-A589-7422A47A8E4A}"/>
